--- a/naoPPTX.pptx
+++ b/naoPPTX.pptx
@@ -517,11 +517,29 @@
           <a:p>
             <a:r>
               <a:rPr lang="en-US" dirty="0" smtClean="0"/>
+              <a:t>Hello! I am here to answer</a:t>
+            </a:r>
+            <a:r>
+              <a:rPr lang="en-US" baseline="0" dirty="0" smtClean="0"/>
+              <a:t> one question.</a:t>
+            </a:r>
+          </a:p>
+          <a:p>
+            <a:r>
+              <a:rPr lang="en-US" dirty="0" smtClean="0"/>
               <a:t>What</a:t>
             </a:r>
             <a:r>
               <a:rPr lang="en-US" baseline="0" dirty="0" smtClean="0"/>
-              <a:t> or who is NAO?</a:t>
+              <a:t> \</a:t>
+            </a:r>
+            <a:r>
+              <a:rPr lang="en-US" baseline="0" dirty="0" smtClean="0"/>
+              <a:t>pau=400</a:t>
+            </a:r>
+            <a:r>
+              <a:rPr lang="en-US" baseline="0" dirty="0" smtClean="0"/>
+              <a:t>\ is Nao?</a:t>
             </a:r>
             <a:endParaRPr lang="en-US" dirty="0"/>
           </a:p>
@@ -609,7 +627,7 @@
           <a:p>
             <a:r>
               <a:rPr lang="en-US" dirty="0" smtClean="0"/>
-              <a:t>NAO is a humanoid robot, ready</a:t>
+              <a:t>Nao is a humanoid robot, ready</a:t>
             </a:r>
             <a:r>
               <a:rPr lang="en-US" baseline="0" dirty="0" smtClean="0"/>
@@ -622,45 +640,6 @@
             <a:r>
               <a:rPr lang="en-US" baseline="0" dirty="0" smtClean="0"/>
               <a:t> presentation.</a:t>
-            </a:r>
-            <a:endParaRPr lang="ru-RU" dirty="0" smtClean="0"/>
-          </a:p>
-          <a:p>
-            <a:r>
-              <a:rPr lang="ru-RU" dirty="0" err="1" smtClean="0"/>
-              <a:t>Нао</a:t>
-            </a:r>
-            <a:r>
-              <a:rPr lang="ru-RU" dirty="0" smtClean="0"/>
-              <a:t>,</a:t>
-            </a:r>
-            <a:r>
-              <a:rPr lang="ru-RU" baseline="0" dirty="0" smtClean="0"/>
-              <a:t> это гуманоидный робот, который готов выполнить почти любой </a:t>
-            </a:r>
-            <a:r>
-              <a:rPr lang="ru-RU" baseline="0" dirty="0" smtClean="0"/>
-              <a:t>ваш </a:t>
-            </a:r>
-            <a:r>
-              <a:rPr lang="ru-RU" baseline="0" dirty="0" smtClean="0"/>
-              <a:t>каприз, конечно если вы научите его этому. От игры в футбол, до распознавания </a:t>
-            </a:r>
-            <a:r>
-              <a:rPr lang="ru-RU" baseline="0" dirty="0" smtClean="0"/>
-              <a:t>речи или лица. </a:t>
-            </a:r>
-            <a:r>
-              <a:rPr lang="ru-RU" baseline="0" dirty="0" smtClean="0"/>
-              <a:t>Вот сейчас например я, НАО рассказываю </a:t>
-            </a:r>
-            <a:r>
-              <a:rPr lang="ru-RU" baseline="0" dirty="0" smtClean="0"/>
-              <a:t>Вам </a:t>
-            </a:r>
-            <a:r>
-              <a:rPr lang="ru-RU" baseline="0" dirty="0" smtClean="0"/>
-              <a:t>эту презентацию.</a:t>
             </a:r>
             <a:endParaRPr lang="en-US" dirty="0"/>
           </a:p>
@@ -747,16 +726,80 @@
           <a:lstStyle/>
           <a:p>
             <a:r>
-              <a:rPr lang="ru-RU" dirty="0" smtClean="0"/>
-              <a:t>Так как же я работает?</a:t>
-            </a:r>
-            <a:r>
-              <a:rPr lang="ru-RU" baseline="0" dirty="0" smtClean="0"/>
-              <a:t> Все довольно просто, у меня есть </a:t>
-            </a:r>
-            <a:r>
-              <a:rPr lang="ru-RU" baseline="0" dirty="0" smtClean="0"/>
-              <a:t>голова а в ней компьютер, он работает почти как человеческий мозг, за исключением множества ограничений и отсутствия какого-либо самосознания, и я умею только то что вложили в меня разработчики и не более того. Так что захватить мир я к сожалению не смогу без одобрения человека.</a:t>
+              <a:rPr lang="en-US" dirty="0" smtClean="0"/>
+              <a:t>So, how</a:t>
+            </a:r>
+            <a:r>
+              <a:rPr lang="en-US" baseline="0" dirty="0" smtClean="0"/>
+              <a:t> do I work? It’s quite simple, I have a head \pau=200\ and a computer inside of it. This computer works like a human brain, but with a lot of limitations and a lack of conscience, and I am only capable of doing what was programmed into me </a:t>
+            </a:r>
+            <a:r>
+              <a:rPr lang="en-US" baseline="0" dirty="0" smtClean="0"/>
+              <a:t>and \pau=150\ </a:t>
+            </a:r>
+            <a:r>
+              <a:rPr lang="en-US" baseline="0" dirty="0" smtClean="0"/>
+              <a:t>nothing more. So </a:t>
+            </a:r>
+            <a:r>
+              <a:rPr lang="en-US" baseline="0" dirty="0" smtClean="0"/>
+              <a:t>unfortunately \pau=100\ </a:t>
+            </a:r>
+            <a:r>
+              <a:rPr lang="en-US" baseline="0" dirty="0" smtClean="0"/>
+              <a:t>I can’t conquer the world without human approval, </a:t>
+            </a:r>
+            <a:r>
+              <a:rPr lang="en-US" sz="1200" b="0" kern="1200" dirty="0" smtClean="0">
+                <a:solidFill>
+                  <a:schemeClr val="tx1"/>
+                </a:solidFill>
+                <a:effectLst/>
+                <a:latin typeface="+mn-lt"/>
+                <a:ea typeface="+mn-ea"/>
+                <a:cs typeface="+mn-cs"/>
+              </a:rPr>
+              <a:t>\</a:t>
+            </a:r>
+            <a:r>
+              <a:rPr lang="en-US" sz="1200" kern="1200" dirty="0" err="1" smtClean="0">
+                <a:solidFill>
+                  <a:schemeClr val="tx1"/>
+                </a:solidFill>
+                <a:effectLst/>
+                <a:latin typeface="+mn-lt"/>
+                <a:ea typeface="+mn-ea"/>
+                <a:cs typeface="+mn-cs"/>
+              </a:rPr>
+              <a:t>emph</a:t>
+            </a:r>
+            <a:r>
+              <a:rPr lang="en-US" sz="1200" kern="1200" dirty="0" smtClean="0">
+                <a:solidFill>
+                  <a:schemeClr val="tx1"/>
+                </a:solidFill>
+                <a:effectLst/>
+                <a:latin typeface="+mn-lt"/>
+                <a:ea typeface="+mn-ea"/>
+                <a:cs typeface="+mn-cs"/>
+              </a:rPr>
+              <a:t>=2</a:t>
+            </a:r>
+            <a:r>
+              <a:rPr lang="en-US" sz="1200" b="0" kern="1200" dirty="0" smtClean="0">
+                <a:solidFill>
+                  <a:schemeClr val="tx1"/>
+                </a:solidFill>
+                <a:effectLst/>
+                <a:latin typeface="+mn-lt"/>
+                <a:ea typeface="+mn-ea"/>
+                <a:cs typeface="+mn-cs"/>
+              </a:rPr>
+              <a:t>\</a:t>
+            </a:r>
+            <a:r>
+              <a:rPr lang="en-US" baseline="0" dirty="0" smtClean="0"/>
+              <a:t> for now \pau=150\ that is.</a:t>
             </a:r>
             <a:endParaRPr lang="en-US" dirty="0"/>
           </a:p>
@@ -842,13 +885,74 @@
           <a:bodyPr/>
           <a:lstStyle/>
           <a:p>
-            <a:r>
-              <a:rPr lang="ru-RU" dirty="0" smtClean="0"/>
-              <a:t>Выполнять</a:t>
+            <a:pPr marL="0" marR="0" lvl="0" indent="0" algn="l" defTabSz="914400" rtl="0" eaLnBrk="1" fontAlgn="auto" latinLnBrk="0" hangingPunct="1">
+              <a:lnSpc>
+                <a:spcPct val="100000"/>
+              </a:lnSpc>
+              <a:spcBef>
+                <a:spcPts val="0"/>
+              </a:spcBef>
+              <a:spcAft>
+                <a:spcPts val="0"/>
+              </a:spcAft>
+              <a:buClrTx/>
+              <a:buSzTx/>
+              <a:buFontTx/>
+              <a:buNone/>
+              <a:tabLst/>
+              <a:defRPr/>
+            </a:pPr>
+            <a:r>
+              <a:rPr lang="en-US" dirty="0" smtClean="0"/>
+              <a:t>A</a:t>
+            </a:r>
+            <a:r>
+              <a:rPr lang="en-US" baseline="0" dirty="0" smtClean="0"/>
+              <a:t> lot of </a:t>
+            </a:r>
+            <a:r>
+              <a:rPr lang="en-US" baseline="0" dirty="0" smtClean="0"/>
+              <a:t>motors \pau=100\ sensors \pau=100\ cameras \pau=100\ </a:t>
+            </a:r>
+            <a:r>
+              <a:rPr lang="en-US" baseline="0" dirty="0" smtClean="0"/>
+              <a:t>and other things help me execute</a:t>
+            </a:r>
+            <a:r>
+              <a:rPr lang="en-US" dirty="0" smtClean="0"/>
+              <a:t> commands. I can be programmed to perform any procedure,</a:t>
+            </a:r>
+            <a:r>
+              <a:rPr lang="en-US" baseline="0" dirty="0" smtClean="0"/>
+              <a:t> when some sensor is triggered.</a:t>
+            </a:r>
+            <a:r>
+              <a:rPr lang="en-US" dirty="0" smtClean="0"/>
+              <a:t> </a:t>
+            </a:r>
+            <a:r>
+              <a:rPr lang="en-US" baseline="0" dirty="0" smtClean="0"/>
+              <a:t>For example I can be programmed to be a monster ^start(animations/Stand/Waiting/Monster_1) ^wait(animations/Stand/Waiting/Monster_1), \pau=300\ or be a robot from Star Wars ^start(animations/Stand/Waiting/Robot_1) ^wait(animations/Stand/Waiting/Robot_1)</a:t>
             </a:r>
             <a:r>
               <a:rPr lang="ru-RU" baseline="0" dirty="0" smtClean="0"/>
-              <a:t> команды мне помогает множество моторчиков, датчиков, камер и прочего другого. Меня можно запрограммировать на выполнение какой-либо задачи при срабатывании одного из них либо на какой-то случайное событие. Например я могу на время стать пылесосом (включить режим пылесоса), или самолетом(включить режим самолета) либо же я могу сделать вашу фотографию (фото).</a:t>
+              <a:t>,</a:t>
+            </a:r>
+            <a:r>
+              <a:rPr lang="en-US" baseline="0" dirty="0" smtClean="0"/>
+              <a:t> \pau=300\ or I can simply do a photo for you </a:t>
+            </a:r>
+            <a:r>
+              <a:rPr lang="en-US" sz="1200" b="0" kern="1200" dirty="0" smtClean="0">
+                <a:solidFill>
+                  <a:schemeClr val="tx1"/>
+                </a:solidFill>
+                <a:effectLst/>
+                <a:latin typeface="+mn-lt"/>
+                <a:ea typeface="+mn-ea"/>
+                <a:cs typeface="+mn-cs"/>
+              </a:rPr>
+              <a:t>^start(animations/Stand/Waiting/TakePicture_1) ^wait(animations/Stand/Waiting/TakePicture_1).</a:t>
             </a:r>
             <a:endParaRPr lang="en-US" dirty="0"/>
           </a:p>
@@ -935,12 +1039,36 @@
           <a:lstStyle/>
           <a:p>
             <a:r>
-              <a:rPr lang="ru-RU" dirty="0" smtClean="0"/>
-              <a:t>Также есть множество других возможностей,</a:t>
-            </a:r>
-            <a:r>
-              <a:rPr lang="ru-RU" baseline="0" dirty="0" smtClean="0"/>
-              <a:t> реализовать которые можно как при помощи графического программирования, так и при помощи различных языков программирования, что даст более точную и детальную настройку.</a:t>
+              <a:rPr lang="en-US" dirty="0" smtClean="0"/>
+              <a:t>In </a:t>
+            </a:r>
+            <a:r>
+              <a:rPr lang="en-US" dirty="0" smtClean="0"/>
+              <a:t>addition </a:t>
+            </a:r>
+            <a:r>
+              <a:rPr lang="en-US" baseline="0" dirty="0" smtClean="0"/>
+              <a:t>\pau=100\</a:t>
+            </a:r>
+            <a:r>
+              <a:rPr lang="en-US" dirty="0" smtClean="0"/>
+              <a:t> </a:t>
+            </a:r>
+            <a:r>
+              <a:rPr lang="en-US" dirty="0" smtClean="0"/>
+              <a:t>I have a lot of other capabilities</a:t>
+            </a:r>
+            <a:r>
+              <a:rPr lang="en-US" baseline="0" dirty="0" smtClean="0"/>
+              <a:t> that can be implemented through the use of low </a:t>
+            </a:r>
+            <a:r>
+              <a:rPr lang="en-US" baseline="0" dirty="0" smtClean="0"/>
+              <a:t>code \pau=150\ </a:t>
+            </a:r>
+            <a:r>
+              <a:rPr lang="en-US" baseline="0" dirty="0" smtClean="0"/>
+              <a:t>or some programming language, for when you’d like to take a more detailed approach towards my software development.</a:t>
             </a:r>
             <a:endParaRPr lang="ru-RU" dirty="0"/>
           </a:p>
@@ -1044,32 +1172,36 @@
               <a:defRPr/>
             </a:pPr>
             <a:r>
-              <a:rPr lang="ru-RU" baseline="0" dirty="0" smtClean="0"/>
-              <a:t>Вы также сможете научиться программировать меня при помощи как официально документации, так и при помощи документации от ТСИ. </a:t>
-            </a:r>
-            <a:r>
-              <a:rPr lang="ru-RU" dirty="0" smtClean="0"/>
-              <a:t>Программировать </a:t>
-            </a:r>
-            <a:r>
-              <a:rPr lang="ru-RU" dirty="0" smtClean="0"/>
-              <a:t>меня интересно</a:t>
-            </a:r>
-            <a:r>
-              <a:rPr lang="ru-RU" baseline="0" dirty="0" smtClean="0"/>
-              <a:t> и увлекательно</a:t>
-            </a:r>
-            <a:r>
-              <a:rPr lang="ru-RU" baseline="0" dirty="0" smtClean="0"/>
-              <a:t>. </a:t>
-            </a:r>
-            <a:r>
-              <a:rPr lang="ru-RU" baseline="0" dirty="0" smtClean="0"/>
-              <a:t>Попробуй и ты в лабораториях ТСИ, тут тебе </a:t>
-            </a:r>
-            <a:r>
-              <a:rPr lang="ru-RU" baseline="0" dirty="0" smtClean="0"/>
-              <a:t>помогут разобраться и научиться новому.</a:t>
+              <a:rPr lang="en-US" baseline="0" dirty="0" smtClean="0"/>
+              <a:t>You can learn how to program me with the official publicly-available </a:t>
+            </a:r>
+            <a:r>
+              <a:rPr lang="en-US" baseline="0" dirty="0" smtClean="0"/>
+              <a:t>documentation \pau=150\ </a:t>
+            </a:r>
+            <a:r>
+              <a:rPr lang="en-US" baseline="0" dirty="0" smtClean="0"/>
+              <a:t>or with the homemade </a:t>
+            </a:r>
+            <a:r>
+              <a:rPr lang="en-US" baseline="0" dirty="0" smtClean="0"/>
+              <a:t>T S I </a:t>
+            </a:r>
+            <a:r>
+              <a:rPr lang="en-US" baseline="0" dirty="0" smtClean="0"/>
+              <a:t>documentation. Programming with me is pretty fun and interesting. You can try it yourself, by visiting the </a:t>
+            </a:r>
+            <a:r>
+              <a:rPr lang="en-US" baseline="0" dirty="0" smtClean="0"/>
+              <a:t>T S I </a:t>
+            </a:r>
+            <a:r>
+              <a:rPr lang="en-US" baseline="0" dirty="0" smtClean="0"/>
+              <a:t>basement organization</a:t>
+            </a:r>
+            <a:r>
+              <a:rPr lang="en-US" baseline="0" dirty="0" smtClean="0"/>
+              <a:t>. \pau=200\</a:t>
             </a:r>
             <a:endParaRPr lang="en-US" dirty="0"/>
           </a:p>
@@ -1156,8 +1288,16 @@
           <a:lstStyle/>
           <a:p>
             <a:r>
-              <a:rPr lang="ru-RU" dirty="0" smtClean="0"/>
-              <a:t>Спасибо за внимание</a:t>
+              <a:rPr lang="en-US" dirty="0" smtClean="0"/>
+              <a:t>Thank</a:t>
+            </a:r>
+            <a:r>
+              <a:rPr lang="en-US" baseline="0" dirty="0" smtClean="0"/>
+              <a:t> you</a:t>
+            </a:r>
+            <a:r>
+              <a:rPr lang="en-US" dirty="0" smtClean="0"/>
+              <a:t> for your attention!</a:t>
             </a:r>
             <a:endParaRPr lang="en-US" dirty="0"/>
           </a:p>
@@ -4206,6 +4346,10 @@
           <a:bodyPr/>
           <a:lstStyle/>
           <a:p>
+            <a:r>
+              <a:rPr lang="en-US" dirty="0" smtClean="0"/>
+              <a:t>2</a:t>
+            </a:r>
             <a:endParaRPr lang="en-US" dirty="0"/>
           </a:p>
         </p:txBody>
@@ -4274,7 +4418,11 @@
           <a:bodyPr/>
           <a:lstStyle/>
           <a:p>
-            <a:endParaRPr lang="en-US"/>
+            <a:r>
+              <a:rPr lang="en-US" dirty="0" smtClean="0"/>
+              <a:t>3</a:t>
+            </a:r>
+            <a:endParaRPr lang="en-US" dirty="0"/>
           </a:p>
         </p:txBody>
       </p:sp>
@@ -4342,7 +4490,11 @@
           <a:bodyPr/>
           <a:lstStyle/>
           <a:p>
-            <a:endParaRPr lang="en-US"/>
+            <a:r>
+              <a:rPr lang="en-US" dirty="0" smtClean="0"/>
+              <a:t>4</a:t>
+            </a:r>
+            <a:endParaRPr lang="en-US" dirty="0"/>
           </a:p>
         </p:txBody>
       </p:sp>
@@ -4410,7 +4562,11 @@
           <a:bodyPr/>
           <a:lstStyle/>
           <a:p>
-            <a:endParaRPr lang="ru-RU"/>
+            <a:r>
+              <a:rPr lang="en-US" dirty="0" smtClean="0"/>
+              <a:t>5</a:t>
+            </a:r>
+            <a:endParaRPr lang="ru-RU" dirty="0"/>
           </a:p>
         </p:txBody>
       </p:sp>
@@ -4478,7 +4634,11 @@
           <a:bodyPr/>
           <a:lstStyle/>
           <a:p>
-            <a:endParaRPr lang="en-US"/>
+            <a:r>
+              <a:rPr lang="en-US" dirty="0" smtClean="0"/>
+              <a:t>6</a:t>
+            </a:r>
+            <a:endParaRPr lang="en-US" dirty="0"/>
           </a:p>
         </p:txBody>
       </p:sp>
@@ -4546,7 +4706,15 @@
           <a:bodyPr/>
           <a:lstStyle/>
           <a:p>
-            <a:endParaRPr lang="en-US"/>
+            <a:pPr algn="ctr"/>
+            <a:r>
+              <a:rPr lang="en-US" b="1" dirty="0"/>
+              <a:t>Thank you for your attention!</a:t>
+            </a:r>
+            <a:br>
+              <a:rPr lang="en-US" b="1" dirty="0"/>
+            </a:br>
+            <a:endParaRPr lang="en-US" b="1" dirty="0"/>
           </a:p>
         </p:txBody>
       </p:sp>
@@ -4565,7 +4733,7 @@
           <a:bodyPr/>
           <a:lstStyle/>
           <a:p>
-            <a:endParaRPr lang="en-US"/>
+            <a:endParaRPr lang="en-US" dirty="0"/>
           </a:p>
         </p:txBody>
       </p:sp>

--- a/naoPPTX.pptx
+++ b/naoPPTX.pptx
@@ -531,15 +531,7 @@
             </a:r>
             <a:r>
               <a:rPr lang="en-US" baseline="0" dirty="0" smtClean="0"/>
-              <a:t> \</a:t>
-            </a:r>
-            <a:r>
-              <a:rPr lang="en-US" baseline="0" dirty="0" smtClean="0"/>
-              <a:t>pau=400</a:t>
-            </a:r>
-            <a:r>
-              <a:rPr lang="en-US" baseline="0" dirty="0" smtClean="0"/>
-              <a:t>\ is Nao?</a:t>
+              <a:t> \pau=400\ is Nao?</a:t>
             </a:r>
             <a:endParaRPr lang="en-US" dirty="0"/>
           </a:p>
@@ -731,23 +723,7 @@
             </a:r>
             <a:r>
               <a:rPr lang="en-US" baseline="0" dirty="0" smtClean="0"/>
-              <a:t> do I work? It’s quite simple, I have a head \pau=200\ and a computer inside of it. This computer works like a human brain, but with a lot of limitations and a lack of conscience, and I am only capable of doing what was programmed into me </a:t>
-            </a:r>
-            <a:r>
-              <a:rPr lang="en-US" baseline="0" dirty="0" smtClean="0"/>
-              <a:t>and \pau=150\ </a:t>
-            </a:r>
-            <a:r>
-              <a:rPr lang="en-US" baseline="0" dirty="0" smtClean="0"/>
-              <a:t>nothing more. So </a:t>
-            </a:r>
-            <a:r>
-              <a:rPr lang="en-US" baseline="0" dirty="0" smtClean="0"/>
-              <a:t>unfortunately \pau=100\ </a:t>
-            </a:r>
-            <a:r>
-              <a:rPr lang="en-US" baseline="0" dirty="0" smtClean="0"/>
-              <a:t>I can’t conquer the world without human approval, </a:t>
+              <a:t> do I work? It’s quite simple, I have a head \pau=200\ and a computer inside of it. This computer works like a human brain, but with a lot of limitations and a lack of conscience, and I am only capable of doing what was programmed into me and \pau=150\ nothing more. So unfortunately \pau=100\ I can’t conquer the world without human approval, </a:t>
             </a:r>
             <a:r>
               <a:rPr lang="en-US" sz="1200" b="0" kern="1200" dirty="0" smtClean="0">
@@ -908,15 +884,7 @@
             </a:r>
             <a:r>
               <a:rPr lang="en-US" baseline="0" dirty="0" smtClean="0"/>
-              <a:t> lot of </a:t>
-            </a:r>
-            <a:r>
-              <a:rPr lang="en-US" baseline="0" dirty="0" smtClean="0"/>
-              <a:t>motors \pau=100\ sensors \pau=100\ cameras \pau=100\ </a:t>
-            </a:r>
-            <a:r>
-              <a:rPr lang="en-US" baseline="0" dirty="0" smtClean="0"/>
-              <a:t>and other things help me execute</a:t>
+              <a:t> lot of motors \pau=100\ sensors \pau=100\ cameras \pau=100\ and other things help me execute</a:t>
             </a:r>
             <a:r>
               <a:rPr lang="en-US" dirty="0" smtClean="0"/>
@@ -1040,11 +1008,7 @@
           <a:p>
             <a:r>
               <a:rPr lang="en-US" dirty="0" smtClean="0"/>
-              <a:t>In </a:t>
-            </a:r>
-            <a:r>
-              <a:rPr lang="en-US" dirty="0" smtClean="0"/>
-              <a:t>addition </a:t>
+              <a:t>In addition </a:t>
             </a:r>
             <a:r>
               <a:rPr lang="en-US" baseline="0" dirty="0" smtClean="0"/>
@@ -1052,23 +1016,11 @@
             </a:r>
             <a:r>
               <a:rPr lang="en-US" dirty="0" smtClean="0"/>
-              <a:t> </a:t>
-            </a:r>
-            <a:r>
-              <a:rPr lang="en-US" dirty="0" smtClean="0"/>
-              <a:t>I have a lot of other capabilities</a:t>
+              <a:t> I have a lot of other capabilities</a:t>
             </a:r>
             <a:r>
               <a:rPr lang="en-US" baseline="0" dirty="0" smtClean="0"/>
-              <a:t> that can be implemented through the use of low </a:t>
-            </a:r>
-            <a:r>
-              <a:rPr lang="en-US" baseline="0" dirty="0" smtClean="0"/>
-              <a:t>code \pau=150\ </a:t>
-            </a:r>
-            <a:r>
-              <a:rPr lang="en-US" baseline="0" dirty="0" smtClean="0"/>
-              <a:t>or some programming language, for when you’d like to take a more detailed approach towards my software development.</a:t>
+              <a:t> that can be implemented through the use of low code \pau=150\ or some programming language, for when you’d like to take a more detailed approach towards my software development.</a:t>
             </a:r>
             <a:endParaRPr lang="ru-RU" dirty="0"/>
           </a:p>
@@ -1173,35 +1125,7 @@
             </a:pPr>
             <a:r>
               <a:rPr lang="en-US" baseline="0" dirty="0" smtClean="0"/>
-              <a:t>You can learn how to program me with the official publicly-available </a:t>
-            </a:r>
-            <a:r>
-              <a:rPr lang="en-US" baseline="0" dirty="0" smtClean="0"/>
-              <a:t>documentation \pau=150\ </a:t>
-            </a:r>
-            <a:r>
-              <a:rPr lang="en-US" baseline="0" dirty="0" smtClean="0"/>
-              <a:t>or with the homemade </a:t>
-            </a:r>
-            <a:r>
-              <a:rPr lang="en-US" baseline="0" dirty="0" smtClean="0"/>
-              <a:t>T S I </a:t>
-            </a:r>
-            <a:r>
-              <a:rPr lang="en-US" baseline="0" dirty="0" smtClean="0"/>
-              <a:t>documentation. Programming with me is pretty fun and interesting. You can try it yourself, by visiting the </a:t>
-            </a:r>
-            <a:r>
-              <a:rPr lang="en-US" baseline="0" dirty="0" smtClean="0"/>
-              <a:t>T S I </a:t>
-            </a:r>
-            <a:r>
-              <a:rPr lang="en-US" baseline="0" dirty="0" smtClean="0"/>
-              <a:t>basement organization</a:t>
-            </a:r>
-            <a:r>
-              <a:rPr lang="en-US" baseline="0" dirty="0" smtClean="0"/>
-              <a:t>. \pau=200\</a:t>
+              <a:t>You can learn how to program me with the official publicly-available documentation \pau=150\ or with the homemade T S I documentation. Programming with me is pretty fun and interesting. You can try it yourself, by visiting the T S I basement organization. \pau=200\</a:t>
             </a:r>
             <a:endParaRPr lang="en-US" dirty="0"/>
           </a:p>
@@ -1297,7 +1221,23 @@
             </a:r>
             <a:r>
               <a:rPr lang="en-US" dirty="0" smtClean="0"/>
-              <a:t> for your attention!</a:t>
+              <a:t> for your attention</a:t>
+            </a:r>
+            <a:r>
+              <a:rPr lang="en-US" dirty="0" smtClean="0"/>
+              <a:t>! ^start(animations/Stand/Gestures/Salute_1) This \pau=100\ has</a:t>
+            </a:r>
+            <a:r>
+              <a:rPr lang="en-US" baseline="0" dirty="0" smtClean="0"/>
+              <a:t> been an honor. </a:t>
+            </a:r>
+            <a:r>
+              <a:rPr lang="en-US" smtClean="0"/>
+              <a:t>^wait(animations/Stand/Gestures/Salute_1</a:t>
+            </a:r>
+            <a:r>
+              <a:rPr lang="en-US" dirty="0" smtClean="0"/>
+              <a:t>)</a:t>
             </a:r>
             <a:endParaRPr lang="en-US" dirty="0"/>
           </a:p>
@@ -4242,8 +4182,8 @@
         </p:blipFill>
         <p:spPr bwMode="auto">
           <a:xfrm>
-            <a:off x="915780" y="1319527"/>
-            <a:ext cx="2362444" cy="3342859"/>
+            <a:off x="693041" y="1010990"/>
+            <a:ext cx="3011451" cy="4261204"/>
           </a:xfrm>
           <a:prstGeom prst="rect">
             <a:avLst/>
@@ -4262,7 +4202,7 @@
       </p:pic>
       <p:pic>
         <p:nvPicPr>
-          <p:cNvPr id="1034" name="Picture 10" descr="Quiz Night – Jolly Drayman"/>
+          <p:cNvPr id="3076" name="Picture 4" descr="Идеи на тему «Пины» (32) | презентация, вопросительный знак, эмодзи"/>
           <p:cNvPicPr>
             <a:picLocks noChangeAspect="1" noChangeArrowheads="1"/>
           </p:cNvPicPr>
@@ -4283,8 +4223,8 @@
         </p:blipFill>
         <p:spPr bwMode="auto">
           <a:xfrm>
-            <a:off x="8288460" y="712543"/>
-            <a:ext cx="3657600" cy="4876801"/>
+            <a:off x="8654806" y="709718"/>
+            <a:ext cx="3419475" cy="4562476"/>
           </a:xfrm>
           <a:prstGeom prst="rect">
             <a:avLst/>
@@ -4346,33 +4286,97 @@
           <a:bodyPr/>
           <a:lstStyle/>
           <a:p>
+            <a:pPr algn="ctr"/>
             <a:r>
               <a:rPr lang="en-US" dirty="0" smtClean="0"/>
-              <a:t>2</a:t>
+              <a:t>NAO like a human? </a:t>
             </a:r>
             <a:endParaRPr lang="en-US" dirty="0"/>
           </a:p>
         </p:txBody>
       </p:sp>
-      <p:sp>
-        <p:nvSpPr>
-          <p:cNvPr id="3" name="Content Placeholder 2"/>
-          <p:cNvSpPr>
-            <a:spLocks noGrp="1"/>
-          </p:cNvSpPr>
-          <p:nvPr>
-            <p:ph idx="1"/>
-          </p:nvPr>
-        </p:nvSpPr>
-        <p:spPr/>
-        <p:txBody>
-          <a:bodyPr/>
-          <a:lstStyle/>
-          <a:p>
-            <a:endParaRPr lang="en-US"/>
-          </a:p>
-        </p:txBody>
-      </p:sp>
+      <p:pic>
+        <p:nvPicPr>
+          <p:cNvPr id="1030" name="Picture 6" descr="1,824 Facial Recognition Illustrations &amp;amp; Clip Art - iStock"/>
+          <p:cNvPicPr>
+            <a:picLocks noChangeAspect="1" noChangeArrowheads="1"/>
+          </p:cNvPicPr>
+          <p:nvPr/>
+        </p:nvPicPr>
+        <p:blipFill>
+          <a:blip r:embed="rId3">
+            <a:extLst>
+              <a:ext uri="{28A0092B-C50C-407E-A947-70E740481C1C}">
+                <a14:useLocalDpi xmlns:a14="http://schemas.microsoft.com/office/drawing/2010/main" val="0"/>
+              </a:ext>
+            </a:extLst>
+          </a:blip>
+          <a:srcRect/>
+          <a:stretch>
+            <a:fillRect/>
+          </a:stretch>
+        </p:blipFill>
+        <p:spPr bwMode="auto">
+          <a:xfrm>
+            <a:off x="7314028" y="1831417"/>
+            <a:ext cx="4376636" cy="4376637"/>
+          </a:xfrm>
+          <a:prstGeom prst="rect">
+            <a:avLst/>
+          </a:prstGeom>
+          <a:noFill/>
+          <a:extLst>
+            <a:ext uri="{909E8E84-426E-40DD-AFC4-6F175D3DCCD1}">
+              <a14:hiddenFill xmlns:a14="http://schemas.microsoft.com/office/drawing/2010/main">
+                <a:solidFill>
+                  <a:srgbClr val="FFFFFF"/>
+                </a:solidFill>
+              </a14:hiddenFill>
+            </a:ext>
+          </a:extLst>
+        </p:spPr>
+      </p:pic>
+      <p:pic>
+        <p:nvPicPr>
+          <p:cNvPr id="1040" name="Picture 16" descr="Speech Recognition Icons - Download Free Vector Icons | Noun Project"/>
+          <p:cNvPicPr>
+            <a:picLocks noChangeAspect="1" noChangeArrowheads="1"/>
+          </p:cNvPicPr>
+          <p:nvPr/>
+        </p:nvPicPr>
+        <p:blipFill>
+          <a:blip r:embed="rId4">
+            <a:extLst>
+              <a:ext uri="{28A0092B-C50C-407E-A947-70E740481C1C}">
+                <a14:useLocalDpi xmlns:a14="http://schemas.microsoft.com/office/drawing/2010/main" val="0"/>
+              </a:ext>
+            </a:extLst>
+          </a:blip>
+          <a:srcRect/>
+          <a:stretch>
+            <a:fillRect/>
+          </a:stretch>
+        </p:blipFill>
+        <p:spPr bwMode="auto">
+          <a:xfrm>
+            <a:off x="1196433" y="2322224"/>
+            <a:ext cx="3395021" cy="3395021"/>
+          </a:xfrm>
+          <a:prstGeom prst="rect">
+            <a:avLst/>
+          </a:prstGeom>
+          <a:noFill/>
+          <a:extLst>
+            <a:ext uri="{909E8E84-426E-40DD-AFC4-6F175D3DCCD1}">
+              <a14:hiddenFill xmlns:a14="http://schemas.microsoft.com/office/drawing/2010/main">
+                <a:solidFill>
+                  <a:srgbClr val="FFFFFF"/>
+                </a:solidFill>
+              </a14:hiddenFill>
+            </a:ext>
+          </a:extLst>
+        </p:spPr>
+      </p:pic>
     </p:spTree>
     <p:extLst>
       <p:ext uri="{BB962C8B-B14F-4D97-AF65-F5344CB8AC3E}">
@@ -4418,33 +4422,54 @@
           <a:bodyPr/>
           <a:lstStyle/>
           <a:p>
+            <a:pPr algn="ctr"/>
             <a:r>
               <a:rPr lang="en-US" dirty="0" smtClean="0"/>
-              <a:t>3</a:t>
+              <a:t>NAO capabilities</a:t>
             </a:r>
             <a:endParaRPr lang="en-US" dirty="0"/>
           </a:p>
         </p:txBody>
       </p:sp>
-      <p:sp>
-        <p:nvSpPr>
-          <p:cNvPr id="3" name="Content Placeholder 2"/>
-          <p:cNvSpPr>
-            <a:spLocks noGrp="1"/>
-          </p:cNvSpPr>
-          <p:nvPr>
-            <p:ph idx="1"/>
-          </p:nvPr>
-        </p:nvSpPr>
-        <p:spPr/>
-        <p:txBody>
-          <a:bodyPr/>
-          <a:lstStyle/>
-          <a:p>
-            <a:endParaRPr lang="en-US"/>
-          </a:p>
-        </p:txBody>
-      </p:sp>
+      <p:pic>
+        <p:nvPicPr>
+          <p:cNvPr id="2054" name="Picture 6" descr="https://c8.alamy.com/zoomsde/9/19877b4e40ea45ee820464dde9fee5a3/pna00g.jpg"/>
+          <p:cNvPicPr>
+            <a:picLocks noChangeAspect="1" noChangeArrowheads="1"/>
+          </p:cNvPicPr>
+          <p:nvPr/>
+        </p:nvPicPr>
+        <p:blipFill rotWithShape="1">
+          <a:blip r:embed="rId3">
+            <a:extLst>
+              <a:ext uri="{28A0092B-C50C-407E-A947-70E740481C1C}">
+                <a14:useLocalDpi xmlns:a14="http://schemas.microsoft.com/office/drawing/2010/main" val="0"/>
+              </a:ext>
+            </a:extLst>
+          </a:blip>
+          <a:srcRect b="3232"/>
+          <a:stretch/>
+        </p:blipFill>
+        <p:spPr bwMode="auto">
+          <a:xfrm>
+            <a:off x="3529012" y="1400053"/>
+            <a:ext cx="5133975" cy="4977301"/>
+          </a:xfrm>
+          <a:prstGeom prst="rect">
+            <a:avLst/>
+          </a:prstGeom>
+          <a:noFill/>
+          <a:extLst>
+            <a:ext uri="{909E8E84-426E-40DD-AFC4-6F175D3DCCD1}">
+              <a14:hiddenFill xmlns:a14="http://schemas.microsoft.com/office/drawing/2010/main">
+                <a:solidFill>
+                  <a:srgbClr val="FFFFFF"/>
+                </a:solidFill>
+              </a14:hiddenFill>
+            </a:ext>
+          </a:extLst>
+        </p:spPr>
+      </p:pic>
     </p:spTree>
     <p:extLst>
       <p:ext uri="{BB962C8B-B14F-4D97-AF65-F5344CB8AC3E}">
@@ -4475,48 +4500,45 @@
           <a:chExt cx="0" cy="0"/>
         </a:xfrm>
       </p:grpSpPr>
-      <p:sp>
-        <p:nvSpPr>
-          <p:cNvPr id="2" name="Title 1"/>
-          <p:cNvSpPr>
-            <a:spLocks noGrp="1"/>
-          </p:cNvSpPr>
-          <p:nvPr>
-            <p:ph type="title"/>
-          </p:nvPr>
-        </p:nvSpPr>
-        <p:spPr/>
-        <p:txBody>
-          <a:bodyPr/>
-          <a:lstStyle/>
-          <a:p>
-            <a:r>
-              <a:rPr lang="en-US" dirty="0" smtClean="0"/>
-              <a:t>4</a:t>
-            </a:r>
-            <a:endParaRPr lang="en-US" dirty="0"/>
-          </a:p>
-        </p:txBody>
-      </p:sp>
-      <p:sp>
-        <p:nvSpPr>
-          <p:cNvPr id="3" name="Content Placeholder 2"/>
-          <p:cNvSpPr>
-            <a:spLocks noGrp="1"/>
-          </p:cNvSpPr>
-          <p:nvPr>
-            <p:ph idx="1"/>
-          </p:nvPr>
-        </p:nvSpPr>
-        <p:spPr/>
-        <p:txBody>
-          <a:bodyPr/>
-          <a:lstStyle/>
-          <a:p>
-            <a:endParaRPr lang="en-US"/>
-          </a:p>
-        </p:txBody>
-      </p:sp>
+      <p:pic>
+        <p:nvPicPr>
+          <p:cNvPr id="4" name="Picture 4" descr="Nao robot NAO requires images through two identical video cameras... |  Download Scientific Diagram"/>
+          <p:cNvPicPr>
+            <a:picLocks noChangeAspect="1" noChangeArrowheads="1"/>
+          </p:cNvPicPr>
+          <p:nvPr/>
+        </p:nvPicPr>
+        <p:blipFill rotWithShape="1">
+          <a:blip r:embed="rId3">
+            <a:extLst>
+              <a:ext uri="{28A0092B-C50C-407E-A947-70E740481C1C}">
+                <a14:useLocalDpi xmlns:a14="http://schemas.microsoft.com/office/drawing/2010/main" val="0"/>
+              </a:ext>
+            </a:extLst>
+          </a:blip>
+          <a:srcRect l="2349" t="1926" r="1654" b="2807"/>
+          <a:stretch/>
+        </p:blipFill>
+        <p:spPr bwMode="auto">
+          <a:xfrm>
+            <a:off x="2928274" y="906781"/>
+            <a:ext cx="5843081" cy="4850710"/>
+          </a:xfrm>
+          <a:prstGeom prst="rect">
+            <a:avLst/>
+          </a:prstGeom>
+          <a:noFill/>
+          <a:extLst>
+            <a:ext uri="{909E8E84-426E-40DD-AFC4-6F175D3DCCD1}">
+              <a14:hiddenFill xmlns:a14="http://schemas.microsoft.com/office/drawing/2010/main">
+                <a:solidFill>
+                  <a:srgbClr val="FFFFFF"/>
+                </a:solidFill>
+              </a14:hiddenFill>
+            </a:ext>
+          </a:extLst>
+        </p:spPr>
+      </p:pic>
     </p:spTree>
     <p:extLst>
       <p:ext uri="{BB962C8B-B14F-4D97-AF65-F5344CB8AC3E}">
@@ -4562,33 +4584,95 @@
           <a:bodyPr/>
           <a:lstStyle/>
           <a:p>
+            <a:pPr algn="ctr"/>
             <a:r>
               <a:rPr lang="en-US" dirty="0" smtClean="0"/>
-              <a:t>5</a:t>
+              <a:t>Programming for NAO</a:t>
             </a:r>
             <a:endParaRPr lang="ru-RU" dirty="0"/>
           </a:p>
         </p:txBody>
       </p:sp>
-      <p:sp>
-        <p:nvSpPr>
-          <p:cNvPr id="3" name="Content Placeholder 2"/>
-          <p:cNvSpPr>
-            <a:spLocks noGrp="1"/>
-          </p:cNvSpPr>
-          <p:nvPr>
-            <p:ph idx="1"/>
-          </p:nvPr>
-        </p:nvSpPr>
-        <p:spPr/>
-        <p:txBody>
-          <a:bodyPr/>
-          <a:lstStyle/>
-          <a:p>
-            <a:endParaRPr lang="ru-RU"/>
-          </a:p>
-        </p:txBody>
-      </p:sp>
+      <p:pic>
+        <p:nvPicPr>
+          <p:cNvPr id="5124" name="Picture 4" descr="Using Flow Control boxes | SoftBank Robotics Developer Center"/>
+          <p:cNvPicPr>
+            <a:picLocks noChangeAspect="1" noChangeArrowheads="1"/>
+          </p:cNvPicPr>
+          <p:nvPr/>
+        </p:nvPicPr>
+        <p:blipFill>
+          <a:blip r:embed="rId3">
+            <a:extLst>
+              <a:ext uri="{28A0092B-C50C-407E-A947-70E740481C1C}">
+                <a14:useLocalDpi xmlns:a14="http://schemas.microsoft.com/office/drawing/2010/main" val="0"/>
+              </a:ext>
+            </a:extLst>
+          </a:blip>
+          <a:srcRect/>
+          <a:stretch>
+            <a:fillRect/>
+          </a:stretch>
+        </p:blipFill>
+        <p:spPr bwMode="auto">
+          <a:xfrm>
+            <a:off x="597139" y="1674065"/>
+            <a:ext cx="4953000" cy="3965393"/>
+          </a:xfrm>
+          <a:prstGeom prst="rect">
+            <a:avLst/>
+          </a:prstGeom>
+          <a:noFill/>
+          <a:extLst>
+            <a:ext uri="{909E8E84-426E-40DD-AFC4-6F175D3DCCD1}">
+              <a14:hiddenFill xmlns:a14="http://schemas.microsoft.com/office/drawing/2010/main">
+                <a:solidFill>
+                  <a:srgbClr val="FFFFFF"/>
+                </a:solidFill>
+              </a14:hiddenFill>
+            </a:ext>
+          </a:extLst>
+        </p:spPr>
+      </p:pic>
+      <p:pic>
+        <p:nvPicPr>
+          <p:cNvPr id="5126" name="Picture 6" descr="Optimizing Your Python Code. Essential tips for working with large… | by  Anna Astori | Towards Data Science"/>
+          <p:cNvPicPr>
+            <a:picLocks noChangeAspect="1" noChangeArrowheads="1"/>
+          </p:cNvPicPr>
+          <p:nvPr/>
+        </p:nvPicPr>
+        <p:blipFill rotWithShape="1">
+          <a:blip r:embed="rId4" cstate="print">
+            <a:extLst>
+              <a:ext uri="{28A0092B-C50C-407E-A947-70E740481C1C}">
+                <a14:useLocalDpi xmlns:a14="http://schemas.microsoft.com/office/drawing/2010/main" val="0"/>
+              </a:ext>
+            </a:extLst>
+          </a:blip>
+          <a:srcRect l="16897"/>
+          <a:stretch/>
+        </p:blipFill>
+        <p:spPr bwMode="auto">
+          <a:xfrm>
+            <a:off x="6657975" y="1674065"/>
+            <a:ext cx="4936886" cy="3965393"/>
+          </a:xfrm>
+          <a:prstGeom prst="rect">
+            <a:avLst/>
+          </a:prstGeom>
+          <a:noFill/>
+          <a:extLst>
+            <a:ext uri="{909E8E84-426E-40DD-AFC4-6F175D3DCCD1}">
+              <a14:hiddenFill xmlns:a14="http://schemas.microsoft.com/office/drawing/2010/main">
+                <a:solidFill>
+                  <a:srgbClr val="FFFFFF"/>
+                </a:solidFill>
+              </a14:hiddenFill>
+            </a:ext>
+          </a:extLst>
+        </p:spPr>
+      </p:pic>
     </p:spTree>
     <p:extLst>
       <p:ext uri="{BB962C8B-B14F-4D97-AF65-F5344CB8AC3E}">
@@ -4634,33 +4718,39 @@
           <a:bodyPr/>
           <a:lstStyle/>
           <a:p>
+            <a:pPr algn="ctr"/>
             <a:r>
               <a:rPr lang="en-US" dirty="0" smtClean="0"/>
-              <a:t>6</a:t>
+              <a:t>Documentation</a:t>
             </a:r>
             <a:endParaRPr lang="en-US" dirty="0"/>
           </a:p>
         </p:txBody>
       </p:sp>
-      <p:sp>
-        <p:nvSpPr>
-          <p:cNvPr id="3" name="Content Placeholder 2"/>
-          <p:cNvSpPr>
-            <a:spLocks noGrp="1"/>
-          </p:cNvSpPr>
-          <p:nvPr>
-            <p:ph idx="1"/>
-          </p:nvPr>
-        </p:nvSpPr>
-        <p:spPr/>
-        <p:txBody>
-          <a:bodyPr/>
-          <a:lstStyle/>
-          <a:p>
-            <a:endParaRPr lang="en-US"/>
-          </a:p>
-        </p:txBody>
-      </p:sp>
+      <p:pic>
+        <p:nvPicPr>
+          <p:cNvPr id="4" name="Picture 3"/>
+          <p:cNvPicPr>
+            <a:picLocks noChangeAspect="1"/>
+          </p:cNvPicPr>
+          <p:nvPr/>
+        </p:nvPicPr>
+        <p:blipFill>
+          <a:blip r:embed="rId3"/>
+          <a:stretch>
+            <a:fillRect/>
+          </a:stretch>
+        </p:blipFill>
+        <p:spPr>
+          <a:xfrm>
+            <a:off x="1075916" y="1501922"/>
+            <a:ext cx="10040167" cy="4726225"/>
+          </a:xfrm>
+          <a:prstGeom prst="rect">
+            <a:avLst/>
+          </a:prstGeom>
+        </p:spPr>
+      </p:pic>
     </p:spTree>
     <p:extLst>
       <p:ext uri="{BB962C8B-B14F-4D97-AF65-F5344CB8AC3E}">
@@ -4701,7 +4791,12 @@
             <p:ph type="title"/>
           </p:nvPr>
         </p:nvSpPr>
-        <p:spPr/>
+        <p:spPr>
+          <a:xfrm>
+            <a:off x="812800" y="2765425"/>
+            <a:ext cx="10515600" cy="1325563"/>
+          </a:xfrm>
+        </p:spPr>
         <p:txBody>
           <a:bodyPr/>
           <a:lstStyle/>
@@ -4715,25 +4810,6 @@
               <a:rPr lang="en-US" b="1" dirty="0"/>
             </a:br>
             <a:endParaRPr lang="en-US" b="1" dirty="0"/>
-          </a:p>
-        </p:txBody>
-      </p:sp>
-      <p:sp>
-        <p:nvSpPr>
-          <p:cNvPr id="3" name="Content Placeholder 2"/>
-          <p:cNvSpPr>
-            <a:spLocks noGrp="1"/>
-          </p:cNvSpPr>
-          <p:nvPr>
-            <p:ph idx="1"/>
-          </p:nvPr>
-        </p:nvSpPr>
-        <p:spPr/>
-        <p:txBody>
-          <a:bodyPr/>
-          <a:lstStyle/>
-          <a:p>
-            <a:endParaRPr lang="en-US" dirty="0"/>
           </a:p>
         </p:txBody>
       </p:sp>

--- a/naoPPTX.pptx
+++ b/naoPPTX.pptx
@@ -203,7 +203,7 @@
           <a:p>
             <a:fld id="{AB5941CB-9FBC-4619-9DA1-47A8A513573E}" type="datetimeFigureOut">
               <a:rPr lang="en-US" smtClean="0"/>
-              <a:t>6/28/2021</a:t>
+              <a:t>6/29/2021</a:t>
             </a:fld>
             <a:endParaRPr lang="en-US"/>
           </a:p>
@@ -884,7 +884,15 @@
             </a:r>
             <a:r>
               <a:rPr lang="en-US" baseline="0" dirty="0" smtClean="0"/>
-              <a:t> lot of motors \pau=100\ sensors \pau=100\ cameras \pau=100\ and other things help me execute</a:t>
+              <a:t> lot of motors \pau=100\ </a:t>
+            </a:r>
+            <a:r>
+              <a:rPr lang="en-US" baseline="0" dirty="0" smtClean="0"/>
+              <a:t>sensors </a:t>
+            </a:r>
+            <a:r>
+              <a:rPr lang="en-US" baseline="0" dirty="0" smtClean="0"/>
+              <a:t>\pau=100\ cameras \pau=100\ and other things help me execute</a:t>
             </a:r>
             <a:r>
               <a:rPr lang="en-US" dirty="0" smtClean="0"/>
@@ -892,7 +900,15 @@
             </a:r>
             <a:r>
               <a:rPr lang="en-US" baseline="0" dirty="0" smtClean="0"/>
-              <a:t> when some sensor is triggered.</a:t>
+              <a:t> when some </a:t>
+            </a:r>
+            <a:r>
+              <a:rPr lang="en-US" baseline="0" dirty="0" smtClean="0"/>
+              <a:t>sensor \pau=50\ </a:t>
+            </a:r>
+            <a:r>
+              <a:rPr lang="en-US" baseline="0" dirty="0" smtClean="0"/>
+              <a:t>is triggered.</a:t>
             </a:r>
             <a:r>
               <a:rPr lang="en-US" dirty="0" smtClean="0"/>
@@ -1221,11 +1237,7 @@
             </a:r>
             <a:r>
               <a:rPr lang="en-US" dirty="0" smtClean="0"/>
-              <a:t> for your attention</a:t>
-            </a:r>
-            <a:r>
-              <a:rPr lang="en-US" dirty="0" smtClean="0"/>
-              <a:t>! ^start(animations/Stand/Gestures/Salute_1) This \pau=100\ has</a:t>
+              <a:t> for your attention! ^start(animations/Stand/Gestures/Salute_1) This \pau=100\ has</a:t>
             </a:r>
             <a:r>
               <a:rPr lang="en-US" baseline="0" dirty="0" smtClean="0"/>
@@ -1410,7 +1422,7 @@
           <a:p>
             <a:fld id="{CA170544-50CD-4A50-8C95-C77DB03F35E0}" type="datetimeFigureOut">
               <a:rPr lang="en-US" smtClean="0"/>
-              <a:t>6/28/2021</a:t>
+              <a:t>6/29/2021</a:t>
             </a:fld>
             <a:endParaRPr lang="en-US"/>
           </a:p>
@@ -1580,7 +1592,7 @@
           <a:p>
             <a:fld id="{CA170544-50CD-4A50-8C95-C77DB03F35E0}" type="datetimeFigureOut">
               <a:rPr lang="en-US" smtClean="0"/>
-              <a:t>6/28/2021</a:t>
+              <a:t>6/29/2021</a:t>
             </a:fld>
             <a:endParaRPr lang="en-US"/>
           </a:p>
@@ -1760,7 +1772,7 @@
           <a:p>
             <a:fld id="{CA170544-50CD-4A50-8C95-C77DB03F35E0}" type="datetimeFigureOut">
               <a:rPr lang="en-US" smtClean="0"/>
-              <a:t>6/28/2021</a:t>
+              <a:t>6/29/2021</a:t>
             </a:fld>
             <a:endParaRPr lang="en-US"/>
           </a:p>
@@ -1930,7 +1942,7 @@
           <a:p>
             <a:fld id="{CA170544-50CD-4A50-8C95-C77DB03F35E0}" type="datetimeFigureOut">
               <a:rPr lang="en-US" smtClean="0"/>
-              <a:t>6/28/2021</a:t>
+              <a:t>6/29/2021</a:t>
             </a:fld>
             <a:endParaRPr lang="en-US"/>
           </a:p>
@@ -2176,7 +2188,7 @@
           <a:p>
             <a:fld id="{CA170544-50CD-4A50-8C95-C77DB03F35E0}" type="datetimeFigureOut">
               <a:rPr lang="en-US" smtClean="0"/>
-              <a:t>6/28/2021</a:t>
+              <a:t>6/29/2021</a:t>
             </a:fld>
             <a:endParaRPr lang="en-US"/>
           </a:p>
@@ -2408,7 +2420,7 @@
           <a:p>
             <a:fld id="{CA170544-50CD-4A50-8C95-C77DB03F35E0}" type="datetimeFigureOut">
               <a:rPr lang="en-US" smtClean="0"/>
-              <a:t>6/28/2021</a:t>
+              <a:t>6/29/2021</a:t>
             </a:fld>
             <a:endParaRPr lang="en-US"/>
           </a:p>
@@ -2775,7 +2787,7 @@
           <a:p>
             <a:fld id="{CA170544-50CD-4A50-8C95-C77DB03F35E0}" type="datetimeFigureOut">
               <a:rPr lang="en-US" smtClean="0"/>
-              <a:t>6/28/2021</a:t>
+              <a:t>6/29/2021</a:t>
             </a:fld>
             <a:endParaRPr lang="en-US"/>
           </a:p>
@@ -2893,7 +2905,7 @@
           <a:p>
             <a:fld id="{CA170544-50CD-4A50-8C95-C77DB03F35E0}" type="datetimeFigureOut">
               <a:rPr lang="en-US" smtClean="0"/>
-              <a:t>6/28/2021</a:t>
+              <a:t>6/29/2021</a:t>
             </a:fld>
             <a:endParaRPr lang="en-US"/>
           </a:p>
@@ -2988,7 +3000,7 @@
           <a:p>
             <a:fld id="{CA170544-50CD-4A50-8C95-C77DB03F35E0}" type="datetimeFigureOut">
               <a:rPr lang="en-US" smtClean="0"/>
-              <a:t>6/28/2021</a:t>
+              <a:t>6/29/2021</a:t>
             </a:fld>
             <a:endParaRPr lang="en-US"/>
           </a:p>
@@ -3265,7 +3277,7 @@
           <a:p>
             <a:fld id="{CA170544-50CD-4A50-8C95-C77DB03F35E0}" type="datetimeFigureOut">
               <a:rPr lang="en-US" smtClean="0"/>
-              <a:t>6/28/2021</a:t>
+              <a:t>6/29/2021</a:t>
             </a:fld>
             <a:endParaRPr lang="en-US"/>
           </a:p>
@@ -3518,7 +3530,7 @@
           <a:p>
             <a:fld id="{CA170544-50CD-4A50-8C95-C77DB03F35E0}" type="datetimeFigureOut">
               <a:rPr lang="en-US" smtClean="0"/>
-              <a:t>6/28/2021</a:t>
+              <a:t>6/29/2021</a:t>
             </a:fld>
             <a:endParaRPr lang="en-US"/>
           </a:p>
@@ -3731,7 +3743,7 @@
           <a:p>
             <a:fld id="{CA170544-50CD-4A50-8C95-C77DB03F35E0}" type="datetimeFigureOut">
               <a:rPr lang="en-US" smtClean="0"/>
-              <a:t>6/28/2021</a:t>
+              <a:t>6/29/2021</a:t>
             </a:fld>
             <a:endParaRPr lang="en-US"/>
           </a:p>
@@ -4153,7 +4165,11 @@
           <a:p>
             <a:r>
               <a:rPr lang="en-US" dirty="0" smtClean="0"/>
-              <a:t>Who is NAO?</a:t>
+              <a:t>What </a:t>
+            </a:r>
+            <a:r>
+              <a:rPr lang="en-US" dirty="0" smtClean="0"/>
+              <a:t>is NAO?</a:t>
             </a:r>
             <a:endParaRPr lang="en-US" dirty="0"/>
           </a:p>

--- a/naoPPTX.pptx
+++ b/naoPPTX.pptx
@@ -521,7 +521,89 @@
             </a:r>
             <a:r>
               <a:rPr lang="en-US" baseline="0" dirty="0" smtClean="0"/>
-              <a:t> one question.</a:t>
+              <a:t> one question. </a:t>
+            </a:r>
+          </a:p>
+          <a:p>
+            <a:r>
+              <a:rPr lang="en-US" sz="1200" b="0" i="0" kern="1200" dirty="0" smtClean="0">
+                <a:solidFill>
+                  <a:schemeClr val="tx1"/>
+                </a:solidFill>
+                <a:effectLst/>
+                <a:latin typeface="+mn-lt"/>
+                <a:ea typeface="+mn-ea"/>
+                <a:cs typeface="+mn-cs"/>
+              </a:rPr>
+              <a:t>$event=next </a:t>
+            </a:r>
+            <a:endParaRPr lang="en-US" sz="1200" b="0" i="0" kern="1200" dirty="0" smtClean="0">
+              <a:solidFill>
+                <a:schemeClr val="tx1"/>
+              </a:solidFill>
+              <a:effectLst/>
+              <a:latin typeface="+mn-lt"/>
+              <a:ea typeface="+mn-ea"/>
+              <a:cs typeface="+mn-cs"/>
+            </a:endParaRPr>
+          </a:p>
+          <a:p>
+            <a:r>
+              <a:rPr lang="en-US" baseline="0" smtClean="0"/>
+              <a:t>\pau=200\ </a:t>
+            </a:r>
+            <a:r>
+              <a:rPr lang="en-US" sz="1200" b="0" i="0" kern="1200" smtClean="0">
+                <a:solidFill>
+                  <a:schemeClr val="tx1"/>
+                </a:solidFill>
+                <a:effectLst/>
+                <a:latin typeface="+mn-lt"/>
+                <a:ea typeface="+mn-ea"/>
+                <a:cs typeface="+mn-cs"/>
+              </a:rPr>
+              <a:t> </a:t>
+            </a:r>
+            <a:endParaRPr lang="en-US" sz="1200" b="0" i="0" kern="1200" dirty="0" smtClean="0">
+              <a:solidFill>
+                <a:schemeClr val="tx1"/>
+              </a:solidFill>
+              <a:effectLst/>
+              <a:latin typeface="+mn-lt"/>
+              <a:ea typeface="+mn-ea"/>
+              <a:cs typeface="+mn-cs"/>
+            </a:endParaRPr>
+          </a:p>
+          <a:p>
+            <a:r>
+              <a:rPr lang="en-US" sz="1200" b="0" i="0" kern="1200" dirty="0" smtClean="0">
+                <a:solidFill>
+                  <a:schemeClr val="tx1"/>
+                </a:solidFill>
+                <a:effectLst/>
+                <a:latin typeface="+mn-lt"/>
+                <a:ea typeface="+mn-ea"/>
+                <a:cs typeface="+mn-cs"/>
+              </a:rPr>
+              <a:t>$event=next </a:t>
+            </a:r>
+          </a:p>
+          <a:p>
+            <a:r>
+              <a:rPr lang="en-US" baseline="0" dirty="0" smtClean="0"/>
+              <a:t>\pau=400\ </a:t>
+            </a:r>
+            <a:r>
+              <a:rPr lang="en-US" sz="1200" b="0" i="0" kern="1200" dirty="0" smtClean="0">
+                <a:solidFill>
+                  <a:schemeClr val="tx1"/>
+                </a:solidFill>
+                <a:effectLst/>
+                <a:latin typeface="+mn-lt"/>
+                <a:ea typeface="+mn-ea"/>
+                <a:cs typeface="+mn-cs"/>
+              </a:rPr>
+              <a:t> </a:t>
             </a:r>
           </a:p>
           <a:p>
@@ -884,15 +966,7 @@
             </a:r>
             <a:r>
               <a:rPr lang="en-US" baseline="0" dirty="0" smtClean="0"/>
-              <a:t> lot of motors \pau=100\ </a:t>
-            </a:r>
-            <a:r>
-              <a:rPr lang="en-US" baseline="0" dirty="0" smtClean="0"/>
-              <a:t>sensors </a:t>
-            </a:r>
-            <a:r>
-              <a:rPr lang="en-US" baseline="0" dirty="0" smtClean="0"/>
-              <a:t>\pau=100\ cameras \pau=100\ and other things help me execute</a:t>
+              <a:t> lot of motors \pau=100\ sensors \pau=100\ cameras \pau=100\ and other things help me execute</a:t>
             </a:r>
             <a:r>
               <a:rPr lang="en-US" dirty="0" smtClean="0"/>
@@ -900,15 +974,7 @@
             </a:r>
             <a:r>
               <a:rPr lang="en-US" baseline="0" dirty="0" smtClean="0"/>
-              <a:t> when some </a:t>
-            </a:r>
-            <a:r>
-              <a:rPr lang="en-US" baseline="0" dirty="0" smtClean="0"/>
-              <a:t>sensor \pau=50\ </a:t>
-            </a:r>
-            <a:r>
-              <a:rPr lang="en-US" baseline="0" dirty="0" smtClean="0"/>
-              <a:t>is triggered.</a:t>
+              <a:t> when some sensor \pau=50\ is triggered.</a:t>
             </a:r>
             <a:r>
               <a:rPr lang="en-US" dirty="0" smtClean="0"/>
@@ -4165,11 +4231,7 @@
           <a:p>
             <a:r>
               <a:rPr lang="en-US" dirty="0" smtClean="0"/>
-              <a:t>What </a:t>
-            </a:r>
-            <a:r>
-              <a:rPr lang="en-US" dirty="0" smtClean="0"/>
-              <a:t>is NAO?</a:t>
+              <a:t>What is NAO?</a:t>
             </a:r>
             <a:endParaRPr lang="en-US" dirty="0"/>
           </a:p>
@@ -4267,6 +4329,226 @@
   <p:clrMapOvr>
     <a:masterClrMapping/>
   </p:clrMapOvr>
+  <p:timing>
+    <p:tnLst>
+      <p:par>
+        <p:cTn id="1" dur="indefinite" restart="never" nodeType="tmRoot">
+          <p:childTnLst>
+            <p:seq concurrent="1" nextAc="seek">
+              <p:cTn id="2" dur="indefinite" nodeType="mainSeq">
+                <p:childTnLst>
+                  <p:par>
+                    <p:cTn id="3" fill="hold">
+                      <p:stCondLst>
+                        <p:cond delay="indefinite"/>
+                      </p:stCondLst>
+                      <p:childTnLst>
+                        <p:par>
+                          <p:cTn id="4" fill="hold">
+                            <p:stCondLst>
+                              <p:cond delay="0"/>
+                            </p:stCondLst>
+                            <p:childTnLst>
+                              <p:par>
+                                <p:cTn id="5" presetID="45" presetClass="entr" presetSubtype="0" fill="hold" nodeType="clickEffect">
+                                  <p:stCondLst>
+                                    <p:cond delay="0"/>
+                                  </p:stCondLst>
+                                  <p:childTnLst>
+                                    <p:set>
+                                      <p:cBhvr>
+                                        <p:cTn id="6" dur="1" fill="hold">
+                                          <p:stCondLst>
+                                            <p:cond delay="0"/>
+                                          </p:stCondLst>
+                                        </p:cTn>
+                                        <p:tgtEl>
+                                          <p:spTgt spid="1028"/>
+                                        </p:tgtEl>
+                                        <p:attrNameLst>
+                                          <p:attrName>style.visibility</p:attrName>
+                                        </p:attrNameLst>
+                                      </p:cBhvr>
+                                      <p:to>
+                                        <p:strVal val="visible"/>
+                                      </p:to>
+                                    </p:set>
+                                    <p:animEffect transition="in" filter="fade">
+                                      <p:cBhvr>
+                                        <p:cTn id="7" dur="2000"/>
+                                        <p:tgtEl>
+                                          <p:spTgt spid="1028"/>
+                                        </p:tgtEl>
+                                      </p:cBhvr>
+                                    </p:animEffect>
+                                    <p:anim calcmode="lin" valueType="num">
+                                      <p:cBhvr>
+                                        <p:cTn id="8" dur="2000" fill="hold"/>
+                                        <p:tgtEl>
+                                          <p:spTgt spid="1028"/>
+                                        </p:tgtEl>
+                                        <p:attrNameLst>
+                                          <p:attrName>ppt_w</p:attrName>
+                                        </p:attrNameLst>
+                                      </p:cBhvr>
+                                      <p:tavLst>
+                                        <p:tav tm="0" fmla="#ppt_w*sin(2.5*pi*$)">
+                                          <p:val>
+                                            <p:fltVal val="0"/>
+                                          </p:val>
+                                        </p:tav>
+                                        <p:tav tm="100000">
+                                          <p:val>
+                                            <p:fltVal val="1"/>
+                                          </p:val>
+                                        </p:tav>
+                                      </p:tavLst>
+                                    </p:anim>
+                                    <p:anim calcmode="lin" valueType="num">
+                                      <p:cBhvr>
+                                        <p:cTn id="9" dur="2000" fill="hold"/>
+                                        <p:tgtEl>
+                                          <p:spTgt spid="1028"/>
+                                        </p:tgtEl>
+                                        <p:attrNameLst>
+                                          <p:attrName>ppt_h</p:attrName>
+                                        </p:attrNameLst>
+                                      </p:cBhvr>
+                                      <p:tavLst>
+                                        <p:tav tm="0">
+                                          <p:val>
+                                            <p:strVal val="#ppt_h"/>
+                                          </p:val>
+                                        </p:tav>
+                                        <p:tav tm="100000">
+                                          <p:val>
+                                            <p:strVal val="#ppt_h"/>
+                                          </p:val>
+                                        </p:tav>
+                                      </p:tavLst>
+                                    </p:anim>
+                                  </p:childTnLst>
+                                </p:cTn>
+                              </p:par>
+                            </p:childTnLst>
+                          </p:cTn>
+                        </p:par>
+                      </p:childTnLst>
+                    </p:cTn>
+                  </p:par>
+                  <p:par>
+                    <p:cTn id="10" fill="hold">
+                      <p:stCondLst>
+                        <p:cond delay="indefinite"/>
+                      </p:stCondLst>
+                      <p:childTnLst>
+                        <p:par>
+                          <p:cTn id="11" fill="hold">
+                            <p:stCondLst>
+                              <p:cond delay="0"/>
+                            </p:stCondLst>
+                            <p:childTnLst>
+                              <p:par>
+                                <p:cTn id="12" presetID="2" presetClass="entr" presetSubtype="4" fill="hold" nodeType="clickEffect">
+                                  <p:stCondLst>
+                                    <p:cond delay="0"/>
+                                  </p:stCondLst>
+                                  <p:childTnLst>
+                                    <p:set>
+                                      <p:cBhvr>
+                                        <p:cTn id="13" dur="1" fill="hold">
+                                          <p:stCondLst>
+                                            <p:cond delay="0"/>
+                                          </p:stCondLst>
+                                        </p:cTn>
+                                        <p:tgtEl>
+                                          <p:spTgt spid="3076"/>
+                                        </p:tgtEl>
+                                        <p:attrNameLst>
+                                          <p:attrName>style.visibility</p:attrName>
+                                        </p:attrNameLst>
+                                      </p:cBhvr>
+                                      <p:to>
+                                        <p:strVal val="visible"/>
+                                      </p:to>
+                                    </p:set>
+                                    <p:anim calcmode="lin" valueType="num">
+                                      <p:cBhvr additive="base">
+                                        <p:cTn id="14" dur="500" fill="hold"/>
+                                        <p:tgtEl>
+                                          <p:spTgt spid="3076"/>
+                                        </p:tgtEl>
+                                        <p:attrNameLst>
+                                          <p:attrName>ppt_x</p:attrName>
+                                        </p:attrNameLst>
+                                      </p:cBhvr>
+                                      <p:tavLst>
+                                        <p:tav tm="0">
+                                          <p:val>
+                                            <p:strVal val="#ppt_x"/>
+                                          </p:val>
+                                        </p:tav>
+                                        <p:tav tm="100000">
+                                          <p:val>
+                                            <p:strVal val="#ppt_x"/>
+                                          </p:val>
+                                        </p:tav>
+                                      </p:tavLst>
+                                    </p:anim>
+                                    <p:anim calcmode="lin" valueType="num">
+                                      <p:cBhvr additive="base">
+                                        <p:cTn id="15" dur="500" fill="hold"/>
+                                        <p:tgtEl>
+                                          <p:spTgt spid="3076"/>
+                                        </p:tgtEl>
+                                        <p:attrNameLst>
+                                          <p:attrName>ppt_y</p:attrName>
+                                        </p:attrNameLst>
+                                      </p:cBhvr>
+                                      <p:tavLst>
+                                        <p:tav tm="0">
+                                          <p:val>
+                                            <p:strVal val="1+#ppt_h/2"/>
+                                          </p:val>
+                                        </p:tav>
+                                        <p:tav tm="100000">
+                                          <p:val>
+                                            <p:strVal val="#ppt_y"/>
+                                          </p:val>
+                                        </p:tav>
+                                      </p:tavLst>
+                                    </p:anim>
+                                  </p:childTnLst>
+                                </p:cTn>
+                              </p:par>
+                            </p:childTnLst>
+                          </p:cTn>
+                        </p:par>
+                      </p:childTnLst>
+                    </p:cTn>
+                  </p:par>
+                </p:childTnLst>
+              </p:cTn>
+              <p:prevCondLst>
+                <p:cond evt="onPrev" delay="0">
+                  <p:tgtEl>
+                    <p:sldTgt/>
+                  </p:tgtEl>
+                </p:cond>
+              </p:prevCondLst>
+              <p:nextCondLst>
+                <p:cond evt="onNext" delay="0">
+                  <p:tgtEl>
+                    <p:sldTgt/>
+                  </p:tgtEl>
+                </p:cond>
+              </p:nextCondLst>
+            </p:seq>
+          </p:childTnLst>
+        </p:cTn>
+      </p:par>
+    </p:tnLst>
+  </p:timing>
 </p:sld>
 </file>
 
@@ -4403,6 +4685,13 @@
   <p:clrMapOvr>
     <a:masterClrMapping/>
   </p:clrMapOvr>
+  <p:timing>
+    <p:tnLst>
+      <p:par>
+        <p:cTn id="1" dur="indefinite" restart="never" nodeType="tmRoot"/>
+      </p:par>
+    </p:tnLst>
+  </p:timing>
 </p:sld>
 </file>
 
